--- a/Documents/Data.pptx
+++ b/Documents/Data.pptx
@@ -6,7 +6,9 @@
   </p:sldMasterIdLst>
   <p:sldIdLst>
     <p:sldId id="256" r:id="rId2"/>
-    <p:sldId id="257" r:id="rId3"/>
+    <p:sldId id="258" r:id="rId3"/>
+    <p:sldId id="259" r:id="rId4"/>
+    <p:sldId id="257" r:id="rId5"/>
   </p:sldIdLst>
   <p:sldSz cx="9144000" cy="6858000" type="screen4x3"/>
   <p:notesSz cx="6858000" cy="9144000"/>
@@ -3172,6 +3174,1768 @@
           <a:chExt cx="0" cy="0"/>
         </a:xfrm>
       </p:grpSpPr>
+      <p:sp>
+        <p:nvSpPr>
+          <p:cNvPr id="4" name="Otsikko 1"/>
+          <p:cNvSpPr>
+            <a:spLocks noGrp="1"/>
+          </p:cNvSpPr>
+          <p:nvPr>
+            <p:ph type="title"/>
+          </p:nvPr>
+        </p:nvSpPr>
+        <p:spPr>
+          <a:xfrm>
+            <a:off x="457200" y="274638"/>
+            <a:ext cx="8229600" cy="1143000"/>
+          </a:xfrm>
+        </p:spPr>
+        <p:txBody>
+          <a:bodyPr/>
+          <a:lstStyle/>
+          <a:p>
+            <a:r>
+              <a:rPr lang="fi-FI" dirty="0" smtClean="0"/>
+              <a:t>BOLERO </a:t>
+            </a:r>
+            <a:r>
+              <a:rPr lang="fi-FI" dirty="0" err="1" smtClean="0"/>
+              <a:t>json</a:t>
+            </a:r>
+            <a:r>
+              <a:rPr lang="fi-FI" dirty="0" smtClean="0"/>
+              <a:t> </a:t>
+            </a:r>
+            <a:r>
+              <a:rPr lang="fi-FI" dirty="0" err="1" smtClean="0"/>
+              <a:t>keys</a:t>
+            </a:r>
+            <a:endParaRPr lang="fi-FI" dirty="0"/>
+          </a:p>
+        </p:txBody>
+      </p:sp>
+      <p:sp>
+        <p:nvSpPr>
+          <p:cNvPr id="5" name="Tekstiruutu 4"/>
+          <p:cNvSpPr txBox="1"/>
+          <p:nvPr/>
+        </p:nvSpPr>
+        <p:spPr>
+          <a:xfrm>
+            <a:off x="323528" y="3733502"/>
+            <a:ext cx="1242390" cy="646331"/>
+          </a:xfrm>
+          <a:prstGeom prst="rect">
+            <a:avLst/>
+          </a:prstGeom>
+          <a:noFill/>
+        </p:spPr>
+        <p:txBody>
+          <a:bodyPr wrap="square" rtlCol="0">
+            <a:spAutoFit/>
+          </a:bodyPr>
+          <a:lstStyle/>
+          <a:p>
+            <a:r>
+              <a:rPr lang="fi-FI" dirty="0" smtClean="0"/>
+              <a:t>”</a:t>
+            </a:r>
+            <a:r>
+              <a:rPr lang="fi-FI" dirty="0" err="1" smtClean="0"/>
+              <a:t>MenusFor</a:t>
+            </a:r>
+            <a:endParaRPr lang="fi-FI" dirty="0" smtClean="0"/>
+          </a:p>
+          <a:p>
+            <a:r>
+              <a:rPr lang="fi-FI" dirty="0" err="1" smtClean="0"/>
+              <a:t>Days</a:t>
+            </a:r>
+            <a:r>
+              <a:rPr lang="fi-FI" dirty="0" smtClean="0"/>
+              <a:t>”</a:t>
+            </a:r>
+            <a:endParaRPr lang="fi-FI" dirty="0"/>
+          </a:p>
+        </p:txBody>
+      </p:sp>
+      <p:sp>
+        <p:nvSpPr>
+          <p:cNvPr id="10" name="Suorakulmio 9"/>
+          <p:cNvSpPr/>
+          <p:nvPr/>
+        </p:nvSpPr>
+        <p:spPr>
+          <a:xfrm>
+            <a:off x="413790" y="1268760"/>
+            <a:ext cx="8334674" cy="646331"/>
+          </a:xfrm>
+          <a:prstGeom prst="rect">
+            <a:avLst/>
+          </a:prstGeom>
+        </p:spPr>
+        <p:txBody>
+          <a:bodyPr wrap="square">
+            <a:spAutoFit/>
+          </a:bodyPr>
+          <a:lstStyle/>
+          <a:p>
+            <a:r>
+              <a:rPr lang="fi-FI" dirty="0"/>
+              <a:t>http://www.amica.fi/modules/json/json/Index?costNumber=</a:t>
+            </a:r>
+            <a:r>
+              <a:rPr lang="fi-FI" dirty="0">
+                <a:solidFill>
+                  <a:schemeClr val="tx2">
+                    <a:lumMod val="60000"/>
+                    <a:lumOff val="40000"/>
+                  </a:schemeClr>
+                </a:solidFill>
+              </a:rPr>
+              <a:t>3121</a:t>
+            </a:r>
+            <a:r>
+              <a:rPr lang="fi-FI" dirty="0"/>
+              <a:t>&amp;firstDay=</a:t>
+            </a:r>
+            <a:r>
+              <a:rPr lang="fi-FI" dirty="0">
+                <a:solidFill>
+                  <a:srgbClr val="FF0000"/>
+                </a:solidFill>
+              </a:rPr>
+              <a:t>2015-08-31</a:t>
+            </a:r>
+            <a:r>
+              <a:rPr lang="fi-FI" dirty="0"/>
+              <a:t>&amp;language=fi</a:t>
+            </a:r>
+          </a:p>
+        </p:txBody>
+      </p:sp>
+      <p:sp>
+        <p:nvSpPr>
+          <p:cNvPr id="11" name="Tekstiruutu 10"/>
+          <p:cNvSpPr txBox="1"/>
+          <p:nvPr/>
+        </p:nvSpPr>
+        <p:spPr>
+          <a:xfrm>
+            <a:off x="2339752" y="4296509"/>
+            <a:ext cx="1152128" cy="369332"/>
+          </a:xfrm>
+          <a:prstGeom prst="rect">
+            <a:avLst/>
+          </a:prstGeom>
+          <a:noFill/>
+        </p:spPr>
+        <p:txBody>
+          <a:bodyPr wrap="square" rtlCol="0">
+            <a:spAutoFit/>
+          </a:bodyPr>
+          <a:lstStyle/>
+          <a:p>
+            <a:r>
+              <a:rPr lang="fi-FI" dirty="0" smtClean="0"/>
+              <a:t>”</a:t>
+            </a:r>
+            <a:r>
+              <a:rPr lang="fi-FI" dirty="0" err="1" smtClean="0"/>
+              <a:t>Date</a:t>
+            </a:r>
+            <a:r>
+              <a:rPr lang="fi-FI" dirty="0" smtClean="0"/>
+              <a:t>”</a:t>
+            </a:r>
+            <a:endParaRPr lang="fi-FI" dirty="0"/>
+          </a:p>
+        </p:txBody>
+      </p:sp>
+      <p:sp>
+        <p:nvSpPr>
+          <p:cNvPr id="12" name="Tekstiruutu 11"/>
+          <p:cNvSpPr txBox="1"/>
+          <p:nvPr/>
+        </p:nvSpPr>
+        <p:spPr>
+          <a:xfrm>
+            <a:off x="2339751" y="3467547"/>
+            <a:ext cx="1365519" cy="369332"/>
+          </a:xfrm>
+          <a:prstGeom prst="rect">
+            <a:avLst/>
+          </a:prstGeom>
+          <a:noFill/>
+        </p:spPr>
+        <p:txBody>
+          <a:bodyPr wrap="square" rtlCol="0">
+            <a:spAutoFit/>
+          </a:bodyPr>
+          <a:lstStyle/>
+          <a:p>
+            <a:r>
+              <a:rPr lang="fi-FI" dirty="0" smtClean="0"/>
+              <a:t>”</a:t>
+            </a:r>
+            <a:r>
+              <a:rPr lang="fi-FI" dirty="0" err="1" smtClean="0"/>
+              <a:t>SetMenus</a:t>
+            </a:r>
+            <a:r>
+              <a:rPr lang="fi-FI" dirty="0" smtClean="0"/>
+              <a:t>”</a:t>
+            </a:r>
+            <a:endParaRPr lang="fi-FI" dirty="0"/>
+          </a:p>
+        </p:txBody>
+      </p:sp>
+      <p:sp>
+        <p:nvSpPr>
+          <p:cNvPr id="13" name="Tekstiruutu 12"/>
+          <p:cNvSpPr txBox="1"/>
+          <p:nvPr/>
+        </p:nvSpPr>
+        <p:spPr>
+          <a:xfrm>
+            <a:off x="4461355" y="3460358"/>
+            <a:ext cx="1152128" cy="369332"/>
+          </a:xfrm>
+          <a:prstGeom prst="rect">
+            <a:avLst/>
+          </a:prstGeom>
+          <a:noFill/>
+        </p:spPr>
+        <p:txBody>
+          <a:bodyPr wrap="square" rtlCol="0">
+            <a:spAutoFit/>
+          </a:bodyPr>
+          <a:lstStyle/>
+          <a:p>
+            <a:r>
+              <a:rPr lang="fi-FI" dirty="0" smtClean="0"/>
+              <a:t>”</a:t>
+            </a:r>
+            <a:r>
+              <a:rPr lang="fi-FI" dirty="0" err="1" smtClean="0"/>
+              <a:t>Name</a:t>
+            </a:r>
+            <a:r>
+              <a:rPr lang="fi-FI" dirty="0" smtClean="0"/>
+              <a:t>”</a:t>
+            </a:r>
+            <a:endParaRPr lang="fi-FI" dirty="0"/>
+          </a:p>
+        </p:txBody>
+      </p:sp>
+      <p:sp>
+        <p:nvSpPr>
+          <p:cNvPr id="14" name="Tekstiruutu 13"/>
+          <p:cNvSpPr txBox="1"/>
+          <p:nvPr/>
+        </p:nvSpPr>
+        <p:spPr>
+          <a:xfrm>
+            <a:off x="4463988" y="4291355"/>
+            <a:ext cx="1152128" cy="369332"/>
+          </a:xfrm>
+          <a:prstGeom prst="rect">
+            <a:avLst/>
+          </a:prstGeom>
+          <a:noFill/>
+        </p:spPr>
+        <p:txBody>
+          <a:bodyPr wrap="square" rtlCol="0">
+            <a:spAutoFit/>
+          </a:bodyPr>
+          <a:lstStyle/>
+          <a:p>
+            <a:r>
+              <a:rPr lang="fi-FI" dirty="0" smtClean="0"/>
+              <a:t>”</a:t>
+            </a:r>
+            <a:r>
+              <a:rPr lang="fi-FI" dirty="0" err="1" smtClean="0"/>
+              <a:t>Price</a:t>
+            </a:r>
+            <a:r>
+              <a:rPr lang="fi-FI" dirty="0" smtClean="0"/>
+              <a:t>”</a:t>
+            </a:r>
+            <a:endParaRPr lang="fi-FI" dirty="0"/>
+          </a:p>
+        </p:txBody>
+      </p:sp>
+      <p:sp>
+        <p:nvSpPr>
+          <p:cNvPr id="27" name="Tekstiruutu 26"/>
+          <p:cNvSpPr txBox="1"/>
+          <p:nvPr/>
+        </p:nvSpPr>
+        <p:spPr>
+          <a:xfrm>
+            <a:off x="4463987" y="2740278"/>
+            <a:ext cx="1703579" cy="369332"/>
+          </a:xfrm>
+          <a:prstGeom prst="rect">
+            <a:avLst/>
+          </a:prstGeom>
+          <a:noFill/>
+        </p:spPr>
+        <p:txBody>
+          <a:bodyPr wrap="square" rtlCol="0">
+            <a:spAutoFit/>
+          </a:bodyPr>
+          <a:lstStyle/>
+          <a:p>
+            <a:r>
+              <a:rPr lang="fi-FI" dirty="0" smtClean="0"/>
+              <a:t>”Components”</a:t>
+            </a:r>
+            <a:endParaRPr lang="fi-FI" dirty="0"/>
+          </a:p>
+        </p:txBody>
+      </p:sp>
+      <p:grpSp>
+        <p:nvGrpSpPr>
+          <p:cNvPr id="32" name="Ryhmä 31"/>
+          <p:cNvGrpSpPr/>
+          <p:nvPr/>
+        </p:nvGrpSpPr>
+        <p:grpSpPr>
+          <a:xfrm>
+            <a:off x="1583668" y="3652212"/>
+            <a:ext cx="756084" cy="828963"/>
+            <a:chOff x="1583668" y="3652212"/>
+            <a:chExt cx="756084" cy="828963"/>
+          </a:xfrm>
+        </p:grpSpPr>
+        <p:cxnSp>
+          <p:nvCxnSpPr>
+            <p:cNvPr id="16" name="Suora yhdysviiva 15"/>
+            <p:cNvCxnSpPr/>
+            <p:nvPr/>
+          </p:nvCxnSpPr>
+          <p:spPr>
+            <a:xfrm>
+              <a:off x="1835696" y="3652212"/>
+              <a:ext cx="0" cy="828963"/>
+            </a:xfrm>
+            <a:prstGeom prst="line">
+              <a:avLst/>
+            </a:prstGeom>
+            <a:ln w="19050"/>
+          </p:spPr>
+          <p:style>
+            <a:lnRef idx="1">
+              <a:schemeClr val="dk1"/>
+            </a:lnRef>
+            <a:fillRef idx="0">
+              <a:schemeClr val="dk1"/>
+            </a:fillRef>
+            <a:effectRef idx="0">
+              <a:schemeClr val="dk1"/>
+            </a:effectRef>
+            <a:fontRef idx="minor">
+              <a:schemeClr val="tx1"/>
+            </a:fontRef>
+          </p:style>
+        </p:cxnSp>
+        <p:cxnSp>
+          <p:nvCxnSpPr>
+            <p:cNvPr id="18" name="Suora yhdysviiva 17"/>
+            <p:cNvCxnSpPr/>
+            <p:nvPr/>
+          </p:nvCxnSpPr>
+          <p:spPr>
+            <a:xfrm>
+              <a:off x="1835696" y="3652213"/>
+              <a:ext cx="504056" cy="0"/>
+            </a:xfrm>
+            <a:prstGeom prst="line">
+              <a:avLst/>
+            </a:prstGeom>
+            <a:ln w="19050"/>
+          </p:spPr>
+          <p:style>
+            <a:lnRef idx="1">
+              <a:schemeClr val="dk1"/>
+            </a:lnRef>
+            <a:fillRef idx="0">
+              <a:schemeClr val="dk1"/>
+            </a:fillRef>
+            <a:effectRef idx="0">
+              <a:schemeClr val="dk1"/>
+            </a:effectRef>
+            <a:fontRef idx="minor">
+              <a:schemeClr val="tx1"/>
+            </a:fontRef>
+          </p:style>
+        </p:cxnSp>
+        <p:cxnSp>
+          <p:nvCxnSpPr>
+            <p:cNvPr id="21" name="Suora yhdysviiva 20"/>
+            <p:cNvCxnSpPr/>
+            <p:nvPr/>
+          </p:nvCxnSpPr>
+          <p:spPr>
+            <a:xfrm>
+              <a:off x="1835696" y="4481175"/>
+              <a:ext cx="504056" cy="0"/>
+            </a:xfrm>
+            <a:prstGeom prst="line">
+              <a:avLst/>
+            </a:prstGeom>
+            <a:ln w="19050"/>
+          </p:spPr>
+          <p:style>
+            <a:lnRef idx="1">
+              <a:schemeClr val="dk1"/>
+            </a:lnRef>
+            <a:fillRef idx="0">
+              <a:schemeClr val="dk1"/>
+            </a:fillRef>
+            <a:effectRef idx="0">
+              <a:schemeClr val="dk1"/>
+            </a:effectRef>
+            <a:fontRef idx="minor">
+              <a:schemeClr val="tx1"/>
+            </a:fontRef>
+          </p:style>
+        </p:cxnSp>
+        <p:cxnSp>
+          <p:nvCxnSpPr>
+            <p:cNvPr id="29" name="Suora yhdysviiva 28"/>
+            <p:cNvCxnSpPr/>
+            <p:nvPr/>
+          </p:nvCxnSpPr>
+          <p:spPr>
+            <a:xfrm>
+              <a:off x="1583668" y="4056667"/>
+              <a:ext cx="252028" cy="0"/>
+            </a:xfrm>
+            <a:prstGeom prst="line">
+              <a:avLst/>
+            </a:prstGeom>
+            <a:ln w="19050"/>
+          </p:spPr>
+          <p:style>
+            <a:lnRef idx="1">
+              <a:schemeClr val="dk1"/>
+            </a:lnRef>
+            <a:fillRef idx="0">
+              <a:schemeClr val="dk1"/>
+            </a:fillRef>
+            <a:effectRef idx="0">
+              <a:schemeClr val="dk1"/>
+            </a:effectRef>
+            <a:fontRef idx="minor">
+              <a:schemeClr val="tx1"/>
+            </a:fontRef>
+          </p:style>
+        </p:cxnSp>
+      </p:grpSp>
+      <p:grpSp>
+        <p:nvGrpSpPr>
+          <p:cNvPr id="33" name="Ryhmä 32"/>
+          <p:cNvGrpSpPr/>
+          <p:nvPr/>
+        </p:nvGrpSpPr>
+        <p:grpSpPr>
+          <a:xfrm>
+            <a:off x="3705271" y="2924943"/>
+            <a:ext cx="758717" cy="1546207"/>
+            <a:chOff x="3453243" y="2924943"/>
+            <a:chExt cx="758717" cy="1546207"/>
+          </a:xfrm>
+        </p:grpSpPr>
+        <p:cxnSp>
+          <p:nvCxnSpPr>
+            <p:cNvPr id="22" name="Suora yhdysviiva 21"/>
+            <p:cNvCxnSpPr/>
+            <p:nvPr/>
+          </p:nvCxnSpPr>
+          <p:spPr>
+            <a:xfrm>
+              <a:off x="3707904" y="3642187"/>
+              <a:ext cx="0" cy="828963"/>
+            </a:xfrm>
+            <a:prstGeom prst="line">
+              <a:avLst/>
+            </a:prstGeom>
+            <a:ln w="19050"/>
+          </p:spPr>
+          <p:style>
+            <a:lnRef idx="1">
+              <a:schemeClr val="dk1"/>
+            </a:lnRef>
+            <a:fillRef idx="0">
+              <a:schemeClr val="dk1"/>
+            </a:fillRef>
+            <a:effectRef idx="0">
+              <a:schemeClr val="dk1"/>
+            </a:effectRef>
+            <a:fontRef idx="minor">
+              <a:schemeClr val="tx1"/>
+            </a:fontRef>
+          </p:style>
+        </p:cxnSp>
+        <p:cxnSp>
+          <p:nvCxnSpPr>
+            <p:cNvPr id="23" name="Suora yhdysviiva 22"/>
+            <p:cNvCxnSpPr/>
+            <p:nvPr/>
+          </p:nvCxnSpPr>
+          <p:spPr>
+            <a:xfrm>
+              <a:off x="3707904" y="3642188"/>
+              <a:ext cx="504056" cy="0"/>
+            </a:xfrm>
+            <a:prstGeom prst="line">
+              <a:avLst/>
+            </a:prstGeom>
+            <a:ln w="19050"/>
+          </p:spPr>
+          <p:style>
+            <a:lnRef idx="1">
+              <a:schemeClr val="dk1"/>
+            </a:lnRef>
+            <a:fillRef idx="0">
+              <a:schemeClr val="dk1"/>
+            </a:fillRef>
+            <a:effectRef idx="0">
+              <a:schemeClr val="dk1"/>
+            </a:effectRef>
+            <a:fontRef idx="minor">
+              <a:schemeClr val="tx1"/>
+            </a:fontRef>
+          </p:style>
+        </p:cxnSp>
+        <p:cxnSp>
+          <p:nvCxnSpPr>
+            <p:cNvPr id="24" name="Suora yhdysviiva 23"/>
+            <p:cNvCxnSpPr/>
+            <p:nvPr/>
+          </p:nvCxnSpPr>
+          <p:spPr>
+            <a:xfrm>
+              <a:off x="3707904" y="4471150"/>
+              <a:ext cx="504056" cy="0"/>
+            </a:xfrm>
+            <a:prstGeom prst="line">
+              <a:avLst/>
+            </a:prstGeom>
+            <a:ln w="19050"/>
+          </p:spPr>
+          <p:style>
+            <a:lnRef idx="1">
+              <a:schemeClr val="dk1"/>
+            </a:lnRef>
+            <a:fillRef idx="0">
+              <a:schemeClr val="dk1"/>
+            </a:fillRef>
+            <a:effectRef idx="0">
+              <a:schemeClr val="dk1"/>
+            </a:effectRef>
+            <a:fontRef idx="minor">
+              <a:schemeClr val="tx1"/>
+            </a:fontRef>
+          </p:style>
+        </p:cxnSp>
+        <p:cxnSp>
+          <p:nvCxnSpPr>
+            <p:cNvPr id="25" name="Suora yhdysviiva 24"/>
+            <p:cNvCxnSpPr/>
+            <p:nvPr/>
+          </p:nvCxnSpPr>
+          <p:spPr>
+            <a:xfrm>
+              <a:off x="3705271" y="2924943"/>
+              <a:ext cx="0" cy="828963"/>
+            </a:xfrm>
+            <a:prstGeom prst="line">
+              <a:avLst/>
+            </a:prstGeom>
+            <a:ln w="19050"/>
+          </p:spPr>
+          <p:style>
+            <a:lnRef idx="1">
+              <a:schemeClr val="dk1"/>
+            </a:lnRef>
+            <a:fillRef idx="0">
+              <a:schemeClr val="dk1"/>
+            </a:fillRef>
+            <a:effectRef idx="0">
+              <a:schemeClr val="dk1"/>
+            </a:effectRef>
+            <a:fontRef idx="minor">
+              <a:schemeClr val="tx1"/>
+            </a:fontRef>
+          </p:style>
+        </p:cxnSp>
+        <p:cxnSp>
+          <p:nvCxnSpPr>
+            <p:cNvPr id="26" name="Suora yhdysviiva 25"/>
+            <p:cNvCxnSpPr/>
+            <p:nvPr/>
+          </p:nvCxnSpPr>
+          <p:spPr>
+            <a:xfrm>
+              <a:off x="3705271" y="2924944"/>
+              <a:ext cx="504056" cy="0"/>
+            </a:xfrm>
+            <a:prstGeom prst="line">
+              <a:avLst/>
+            </a:prstGeom>
+            <a:ln w="19050"/>
+          </p:spPr>
+          <p:style>
+            <a:lnRef idx="1">
+              <a:schemeClr val="dk1"/>
+            </a:lnRef>
+            <a:fillRef idx="0">
+              <a:schemeClr val="dk1"/>
+            </a:fillRef>
+            <a:effectRef idx="0">
+              <a:schemeClr val="dk1"/>
+            </a:effectRef>
+            <a:fontRef idx="minor">
+              <a:schemeClr val="tx1"/>
+            </a:fontRef>
+          </p:style>
+        </p:cxnSp>
+        <p:cxnSp>
+          <p:nvCxnSpPr>
+            <p:cNvPr id="31" name="Suora yhdysviiva 30"/>
+            <p:cNvCxnSpPr/>
+            <p:nvPr/>
+          </p:nvCxnSpPr>
+          <p:spPr>
+            <a:xfrm>
+              <a:off x="3453243" y="3642187"/>
+              <a:ext cx="252028" cy="0"/>
+            </a:xfrm>
+            <a:prstGeom prst="line">
+              <a:avLst/>
+            </a:prstGeom>
+            <a:ln w="19050"/>
+          </p:spPr>
+          <p:style>
+            <a:lnRef idx="1">
+              <a:schemeClr val="dk1"/>
+            </a:lnRef>
+            <a:fillRef idx="0">
+              <a:schemeClr val="dk1"/>
+            </a:fillRef>
+            <a:effectRef idx="0">
+              <a:schemeClr val="dk1"/>
+            </a:effectRef>
+            <a:fontRef idx="minor">
+              <a:schemeClr val="tx1"/>
+            </a:fontRef>
+          </p:style>
+        </p:cxnSp>
+      </p:grpSp>
+      <p:grpSp>
+        <p:nvGrpSpPr>
+          <p:cNvPr id="34" name="Ryhmä 33"/>
+          <p:cNvGrpSpPr/>
+          <p:nvPr/>
+        </p:nvGrpSpPr>
+        <p:grpSpPr>
+          <a:xfrm>
+            <a:off x="6167567" y="2519450"/>
+            <a:ext cx="756084" cy="828963"/>
+            <a:chOff x="1583668" y="3652212"/>
+            <a:chExt cx="756084" cy="828963"/>
+          </a:xfrm>
+        </p:grpSpPr>
+        <p:cxnSp>
+          <p:nvCxnSpPr>
+            <p:cNvPr id="35" name="Suora yhdysviiva 34"/>
+            <p:cNvCxnSpPr/>
+            <p:nvPr/>
+          </p:nvCxnSpPr>
+          <p:spPr>
+            <a:xfrm>
+              <a:off x="1835696" y="3652212"/>
+              <a:ext cx="0" cy="828963"/>
+            </a:xfrm>
+            <a:prstGeom prst="line">
+              <a:avLst/>
+            </a:prstGeom>
+            <a:ln w="19050"/>
+          </p:spPr>
+          <p:style>
+            <a:lnRef idx="1">
+              <a:schemeClr val="dk1"/>
+            </a:lnRef>
+            <a:fillRef idx="0">
+              <a:schemeClr val="dk1"/>
+            </a:fillRef>
+            <a:effectRef idx="0">
+              <a:schemeClr val="dk1"/>
+            </a:effectRef>
+            <a:fontRef idx="minor">
+              <a:schemeClr val="tx1"/>
+            </a:fontRef>
+          </p:style>
+        </p:cxnSp>
+        <p:cxnSp>
+          <p:nvCxnSpPr>
+            <p:cNvPr id="36" name="Suora yhdysviiva 35"/>
+            <p:cNvCxnSpPr/>
+            <p:nvPr/>
+          </p:nvCxnSpPr>
+          <p:spPr>
+            <a:xfrm>
+              <a:off x="1835696" y="3652213"/>
+              <a:ext cx="504056" cy="0"/>
+            </a:xfrm>
+            <a:prstGeom prst="line">
+              <a:avLst/>
+            </a:prstGeom>
+            <a:ln w="19050"/>
+          </p:spPr>
+          <p:style>
+            <a:lnRef idx="1">
+              <a:schemeClr val="dk1"/>
+            </a:lnRef>
+            <a:fillRef idx="0">
+              <a:schemeClr val="dk1"/>
+            </a:fillRef>
+            <a:effectRef idx="0">
+              <a:schemeClr val="dk1"/>
+            </a:effectRef>
+            <a:fontRef idx="minor">
+              <a:schemeClr val="tx1"/>
+            </a:fontRef>
+          </p:style>
+        </p:cxnSp>
+        <p:cxnSp>
+          <p:nvCxnSpPr>
+            <p:cNvPr id="37" name="Suora yhdysviiva 36"/>
+            <p:cNvCxnSpPr/>
+            <p:nvPr/>
+          </p:nvCxnSpPr>
+          <p:spPr>
+            <a:xfrm>
+              <a:off x="1835696" y="4481175"/>
+              <a:ext cx="504056" cy="0"/>
+            </a:xfrm>
+            <a:prstGeom prst="line">
+              <a:avLst/>
+            </a:prstGeom>
+            <a:ln w="19050"/>
+          </p:spPr>
+          <p:style>
+            <a:lnRef idx="1">
+              <a:schemeClr val="dk1"/>
+            </a:lnRef>
+            <a:fillRef idx="0">
+              <a:schemeClr val="dk1"/>
+            </a:fillRef>
+            <a:effectRef idx="0">
+              <a:schemeClr val="dk1"/>
+            </a:effectRef>
+            <a:fontRef idx="minor">
+              <a:schemeClr val="tx1"/>
+            </a:fontRef>
+          </p:style>
+        </p:cxnSp>
+        <p:cxnSp>
+          <p:nvCxnSpPr>
+            <p:cNvPr id="38" name="Suora yhdysviiva 37"/>
+            <p:cNvCxnSpPr/>
+            <p:nvPr/>
+          </p:nvCxnSpPr>
+          <p:spPr>
+            <a:xfrm>
+              <a:off x="1583668" y="4056667"/>
+              <a:ext cx="252028" cy="0"/>
+            </a:xfrm>
+            <a:prstGeom prst="line">
+              <a:avLst/>
+            </a:prstGeom>
+            <a:ln w="19050"/>
+          </p:spPr>
+          <p:style>
+            <a:lnRef idx="1">
+              <a:schemeClr val="dk1"/>
+            </a:lnRef>
+            <a:fillRef idx="0">
+              <a:schemeClr val="dk1"/>
+            </a:fillRef>
+            <a:effectRef idx="0">
+              <a:schemeClr val="dk1"/>
+            </a:effectRef>
+            <a:fontRef idx="minor">
+              <a:schemeClr val="tx1"/>
+            </a:fontRef>
+          </p:style>
+        </p:cxnSp>
+      </p:grpSp>
+      <p:sp>
+        <p:nvSpPr>
+          <p:cNvPr id="39" name="Tekstiruutu 38"/>
+          <p:cNvSpPr txBox="1"/>
+          <p:nvPr/>
+        </p:nvSpPr>
+        <p:spPr>
+          <a:xfrm>
+            <a:off x="6923651" y="2334784"/>
+            <a:ext cx="1512168" cy="369332"/>
+          </a:xfrm>
+          <a:prstGeom prst="rect">
+            <a:avLst/>
+          </a:prstGeom>
+          <a:noFill/>
+        </p:spPr>
+        <p:txBody>
+          <a:bodyPr wrap="square" rtlCol="0">
+            <a:spAutoFit/>
+          </a:bodyPr>
+          <a:lstStyle/>
+          <a:p>
+            <a:r>
+              <a:rPr lang="fi-FI" dirty="0" err="1" smtClean="0"/>
+              <a:t>String</a:t>
+            </a:r>
+            <a:r>
+              <a:rPr lang="fi-FI" dirty="0" smtClean="0"/>
+              <a:t> 1</a:t>
+            </a:r>
+            <a:endParaRPr lang="fi-FI" dirty="0"/>
+          </a:p>
+        </p:txBody>
+      </p:sp>
+      <p:sp>
+        <p:nvSpPr>
+          <p:cNvPr id="40" name="Tekstiruutu 39"/>
+          <p:cNvSpPr txBox="1"/>
+          <p:nvPr/>
+        </p:nvSpPr>
+        <p:spPr>
+          <a:xfrm>
+            <a:off x="6948264" y="3109610"/>
+            <a:ext cx="1512168" cy="369332"/>
+          </a:xfrm>
+          <a:prstGeom prst="rect">
+            <a:avLst/>
+          </a:prstGeom>
+          <a:noFill/>
+        </p:spPr>
+        <p:txBody>
+          <a:bodyPr wrap="square" rtlCol="0">
+            <a:spAutoFit/>
+          </a:bodyPr>
+          <a:lstStyle/>
+          <a:p>
+            <a:r>
+              <a:rPr lang="fi-FI" dirty="0" err="1" smtClean="0"/>
+              <a:t>String</a:t>
+            </a:r>
+            <a:r>
+              <a:rPr lang="fi-FI" dirty="0" smtClean="0"/>
+              <a:t> n</a:t>
+            </a:r>
+            <a:endParaRPr lang="fi-FI" dirty="0"/>
+          </a:p>
+        </p:txBody>
+      </p:sp>
+    </p:spTree>
+    <p:extLst>
+      <p:ext uri="{BB962C8B-B14F-4D97-AF65-F5344CB8AC3E}">
+        <p14:creationId xmlns:p14="http://schemas.microsoft.com/office/powerpoint/2010/main" val="1452022935"/>
+      </p:ext>
+    </p:extLst>
+  </p:cSld>
+  <p:clrMapOvr>
+    <a:masterClrMapping/>
+  </p:clrMapOvr>
+</p:sld>
+</file>
+
+<file path=ppt/slides/slide3.xml><?xml version="1.0" encoding="utf-8"?>
+<p:sld xmlns:a="http://schemas.openxmlformats.org/drawingml/2006/main" xmlns:r="http://schemas.openxmlformats.org/officeDocument/2006/relationships" xmlns:p="http://schemas.openxmlformats.org/presentationml/2006/main">
+  <p:cSld>
+    <p:spTree>
+      <p:nvGrpSpPr>
+        <p:cNvPr id="1" name=""/>
+        <p:cNvGrpSpPr/>
+        <p:nvPr/>
+      </p:nvGrpSpPr>
+      <p:grpSpPr>
+        <a:xfrm>
+          <a:off x="0" y="0"/>
+          <a:ext cx="0" cy="0"/>
+          <a:chOff x="0" y="0"/>
+          <a:chExt cx="0" cy="0"/>
+        </a:xfrm>
+      </p:grpSpPr>
+      <p:sp>
+        <p:nvSpPr>
+          <p:cNvPr id="4" name="Otsikko 1"/>
+          <p:cNvSpPr>
+            <a:spLocks noGrp="1"/>
+          </p:cNvSpPr>
+          <p:nvPr>
+            <p:ph type="title"/>
+          </p:nvPr>
+        </p:nvSpPr>
+        <p:spPr>
+          <a:xfrm>
+            <a:off x="457200" y="274638"/>
+            <a:ext cx="8229600" cy="1143000"/>
+          </a:xfrm>
+        </p:spPr>
+        <p:txBody>
+          <a:bodyPr/>
+          <a:lstStyle/>
+          <a:p>
+            <a:r>
+              <a:rPr lang="fi-FI" dirty="0" smtClean="0"/>
+              <a:t>Atomitie 5 </a:t>
+            </a:r>
+            <a:r>
+              <a:rPr lang="fi-FI" dirty="0" err="1" smtClean="0"/>
+              <a:t>json</a:t>
+            </a:r>
+            <a:r>
+              <a:rPr lang="fi-FI" dirty="0" smtClean="0"/>
+              <a:t> </a:t>
+            </a:r>
+            <a:r>
+              <a:rPr lang="fi-FI" dirty="0" err="1" smtClean="0"/>
+              <a:t>keys</a:t>
+            </a:r>
+            <a:endParaRPr lang="fi-FI" dirty="0"/>
+          </a:p>
+        </p:txBody>
+      </p:sp>
+      <p:sp>
+        <p:nvSpPr>
+          <p:cNvPr id="10" name="Suorakulmio 9"/>
+          <p:cNvSpPr/>
+          <p:nvPr/>
+        </p:nvSpPr>
+        <p:spPr>
+          <a:xfrm>
+            <a:off x="413790" y="1268760"/>
+            <a:ext cx="8334674" cy="369332"/>
+          </a:xfrm>
+          <a:prstGeom prst="rect">
+            <a:avLst/>
+          </a:prstGeom>
+        </p:spPr>
+        <p:txBody>
+          <a:bodyPr wrap="square">
+            <a:spAutoFit/>
+          </a:bodyPr>
+          <a:lstStyle/>
+          <a:p>
+            <a:r>
+              <a:rPr lang="fi-FI" dirty="0"/>
+              <a:t>http://www.sodexo.fi/ruokalistat/output/daily_json/</a:t>
+            </a:r>
+            <a:r>
+              <a:rPr lang="fi-FI" dirty="0">
+                <a:solidFill>
+                  <a:schemeClr val="tx2">
+                    <a:lumMod val="60000"/>
+                    <a:lumOff val="40000"/>
+                  </a:schemeClr>
+                </a:solidFill>
+              </a:rPr>
+              <a:t>9</a:t>
+            </a:r>
+            <a:r>
+              <a:rPr lang="fi-FI" dirty="0"/>
+              <a:t>/</a:t>
+            </a:r>
+            <a:r>
+              <a:rPr lang="fi-FI" dirty="0">
+                <a:solidFill>
+                  <a:srgbClr val="FF0000"/>
+                </a:solidFill>
+              </a:rPr>
+              <a:t>2015/08/24</a:t>
+            </a:r>
+            <a:r>
+              <a:rPr lang="fi-FI" dirty="0"/>
+              <a:t>/fi</a:t>
+            </a:r>
+          </a:p>
+        </p:txBody>
+      </p:sp>
+      <p:sp>
+        <p:nvSpPr>
+          <p:cNvPr id="12" name="Tekstiruutu 11"/>
+          <p:cNvSpPr txBox="1"/>
+          <p:nvPr/>
+        </p:nvSpPr>
+        <p:spPr>
+          <a:xfrm>
+            <a:off x="2555776" y="3467547"/>
+            <a:ext cx="1149494" cy="369332"/>
+          </a:xfrm>
+          <a:prstGeom prst="rect">
+            <a:avLst/>
+          </a:prstGeom>
+          <a:noFill/>
+        </p:spPr>
+        <p:txBody>
+          <a:bodyPr wrap="square" rtlCol="0">
+            <a:spAutoFit/>
+          </a:bodyPr>
+          <a:lstStyle/>
+          <a:p>
+            <a:r>
+              <a:rPr lang="fi-FI" dirty="0"/>
+              <a:t>”</a:t>
+            </a:r>
+            <a:r>
+              <a:rPr lang="fi-FI" dirty="0" err="1"/>
+              <a:t>courses</a:t>
+            </a:r>
+            <a:r>
+              <a:rPr lang="fi-FI" dirty="0"/>
+              <a:t>”</a:t>
+            </a:r>
+            <a:endParaRPr lang="fi-FI" dirty="0"/>
+          </a:p>
+        </p:txBody>
+      </p:sp>
+      <p:sp>
+        <p:nvSpPr>
+          <p:cNvPr id="13" name="Tekstiruutu 12"/>
+          <p:cNvSpPr txBox="1"/>
+          <p:nvPr/>
+        </p:nvSpPr>
+        <p:spPr>
+          <a:xfrm>
+            <a:off x="4461355" y="3460358"/>
+            <a:ext cx="1152128" cy="369332"/>
+          </a:xfrm>
+          <a:prstGeom prst="rect">
+            <a:avLst/>
+          </a:prstGeom>
+          <a:noFill/>
+        </p:spPr>
+        <p:txBody>
+          <a:bodyPr wrap="square" rtlCol="0">
+            <a:spAutoFit/>
+          </a:bodyPr>
+          <a:lstStyle/>
+          <a:p>
+            <a:r>
+              <a:rPr lang="fi-FI" dirty="0" smtClean="0"/>
+              <a:t>”</a:t>
+            </a:r>
+            <a:r>
+              <a:rPr lang="fi-FI" dirty="0" err="1" smtClean="0"/>
+              <a:t>price</a:t>
+            </a:r>
+            <a:r>
+              <a:rPr lang="fi-FI" dirty="0" smtClean="0"/>
+              <a:t>”</a:t>
+            </a:r>
+            <a:endParaRPr lang="fi-FI" dirty="0"/>
+          </a:p>
+        </p:txBody>
+      </p:sp>
+      <p:sp>
+        <p:nvSpPr>
+          <p:cNvPr id="14" name="Tekstiruutu 13"/>
+          <p:cNvSpPr txBox="1"/>
+          <p:nvPr/>
+        </p:nvSpPr>
+        <p:spPr>
+          <a:xfrm>
+            <a:off x="4461355" y="4111844"/>
+            <a:ext cx="1548172" cy="369332"/>
+          </a:xfrm>
+          <a:prstGeom prst="rect">
+            <a:avLst/>
+          </a:prstGeom>
+          <a:noFill/>
+        </p:spPr>
+        <p:txBody>
+          <a:bodyPr wrap="square" rtlCol="0">
+            <a:spAutoFit/>
+          </a:bodyPr>
+          <a:lstStyle/>
+          <a:p>
+            <a:r>
+              <a:rPr lang="fi-FI" dirty="0" smtClean="0"/>
+              <a:t>”</a:t>
+            </a:r>
+            <a:r>
+              <a:rPr lang="fi-FI" dirty="0" err="1" smtClean="0"/>
+              <a:t>properties</a:t>
+            </a:r>
+            <a:r>
+              <a:rPr lang="fi-FI" dirty="0" smtClean="0"/>
+              <a:t>”</a:t>
+            </a:r>
+            <a:endParaRPr lang="fi-FI" dirty="0"/>
+          </a:p>
+        </p:txBody>
+      </p:sp>
+      <p:sp>
+        <p:nvSpPr>
+          <p:cNvPr id="27" name="Tekstiruutu 26"/>
+          <p:cNvSpPr txBox="1"/>
+          <p:nvPr/>
+        </p:nvSpPr>
+        <p:spPr>
+          <a:xfrm>
+            <a:off x="4463987" y="2740278"/>
+            <a:ext cx="1152129" cy="369332"/>
+          </a:xfrm>
+          <a:prstGeom prst="rect">
+            <a:avLst/>
+          </a:prstGeom>
+          <a:noFill/>
+        </p:spPr>
+        <p:txBody>
+          <a:bodyPr wrap="square" rtlCol="0">
+            <a:spAutoFit/>
+          </a:bodyPr>
+          <a:lstStyle/>
+          <a:p>
+            <a:r>
+              <a:rPr lang="fi-FI" dirty="0" smtClean="0"/>
+              <a:t>”</a:t>
+            </a:r>
+            <a:r>
+              <a:rPr lang="fi-FI" dirty="0" err="1" smtClean="0"/>
+              <a:t>title_en</a:t>
+            </a:r>
+            <a:r>
+              <a:rPr lang="fi-FI" dirty="0" smtClean="0"/>
+              <a:t>”</a:t>
+            </a:r>
+            <a:endParaRPr lang="fi-FI" dirty="0"/>
+          </a:p>
+        </p:txBody>
+      </p:sp>
+      <p:cxnSp>
+        <p:nvCxnSpPr>
+          <p:cNvPr id="22" name="Suora yhdysviiva 21"/>
+          <p:cNvCxnSpPr/>
+          <p:nvPr/>
+        </p:nvCxnSpPr>
+        <p:spPr>
+          <a:xfrm>
+            <a:off x="3957299" y="3467547"/>
+            <a:ext cx="0" cy="828963"/>
+          </a:xfrm>
+          <a:prstGeom prst="line">
+            <a:avLst/>
+          </a:prstGeom>
+          <a:ln w="19050"/>
+        </p:spPr>
+        <p:style>
+          <a:lnRef idx="1">
+            <a:schemeClr val="dk1"/>
+          </a:lnRef>
+          <a:fillRef idx="0">
+            <a:schemeClr val="dk1"/>
+          </a:fillRef>
+          <a:effectRef idx="0">
+            <a:schemeClr val="dk1"/>
+          </a:effectRef>
+          <a:fontRef idx="minor">
+            <a:schemeClr val="tx1"/>
+          </a:fontRef>
+        </p:style>
+      </p:cxnSp>
+      <p:cxnSp>
+        <p:nvCxnSpPr>
+          <p:cNvPr id="23" name="Suora yhdysviiva 22"/>
+          <p:cNvCxnSpPr/>
+          <p:nvPr/>
+        </p:nvCxnSpPr>
+        <p:spPr>
+          <a:xfrm>
+            <a:off x="3959932" y="3642188"/>
+            <a:ext cx="504056" cy="0"/>
+          </a:xfrm>
+          <a:prstGeom prst="line">
+            <a:avLst/>
+          </a:prstGeom>
+          <a:ln w="19050"/>
+        </p:spPr>
+        <p:style>
+          <a:lnRef idx="1">
+            <a:schemeClr val="dk1"/>
+          </a:lnRef>
+          <a:fillRef idx="0">
+            <a:schemeClr val="dk1"/>
+          </a:fillRef>
+          <a:effectRef idx="0">
+            <a:schemeClr val="dk1"/>
+          </a:effectRef>
+          <a:fontRef idx="minor">
+            <a:schemeClr val="tx1"/>
+          </a:fontRef>
+        </p:style>
+      </p:cxnSp>
+      <p:cxnSp>
+        <p:nvCxnSpPr>
+          <p:cNvPr id="24" name="Suora yhdysviiva 23"/>
+          <p:cNvCxnSpPr/>
+          <p:nvPr/>
+        </p:nvCxnSpPr>
+        <p:spPr>
+          <a:xfrm>
+            <a:off x="3957299" y="4296510"/>
+            <a:ext cx="504056" cy="0"/>
+          </a:xfrm>
+          <a:prstGeom prst="line">
+            <a:avLst/>
+          </a:prstGeom>
+          <a:ln w="19050"/>
+        </p:spPr>
+        <p:style>
+          <a:lnRef idx="1">
+            <a:schemeClr val="dk1"/>
+          </a:lnRef>
+          <a:fillRef idx="0">
+            <a:schemeClr val="dk1"/>
+          </a:fillRef>
+          <a:effectRef idx="0">
+            <a:schemeClr val="dk1"/>
+          </a:effectRef>
+          <a:fontRef idx="minor">
+            <a:schemeClr val="tx1"/>
+          </a:fontRef>
+        </p:style>
+      </p:cxnSp>
+      <p:cxnSp>
+        <p:nvCxnSpPr>
+          <p:cNvPr id="25" name="Suora yhdysviiva 24"/>
+          <p:cNvCxnSpPr/>
+          <p:nvPr/>
+        </p:nvCxnSpPr>
+        <p:spPr>
+          <a:xfrm>
+            <a:off x="3957299" y="2924943"/>
+            <a:ext cx="0" cy="828963"/>
+          </a:xfrm>
+          <a:prstGeom prst="line">
+            <a:avLst/>
+          </a:prstGeom>
+          <a:ln w="19050"/>
+        </p:spPr>
+        <p:style>
+          <a:lnRef idx="1">
+            <a:schemeClr val="dk1"/>
+          </a:lnRef>
+          <a:fillRef idx="0">
+            <a:schemeClr val="dk1"/>
+          </a:fillRef>
+          <a:effectRef idx="0">
+            <a:schemeClr val="dk1"/>
+          </a:effectRef>
+          <a:fontRef idx="minor">
+            <a:schemeClr val="tx1"/>
+          </a:fontRef>
+        </p:style>
+      </p:cxnSp>
+      <p:cxnSp>
+        <p:nvCxnSpPr>
+          <p:cNvPr id="26" name="Suora yhdysviiva 25"/>
+          <p:cNvCxnSpPr/>
+          <p:nvPr/>
+        </p:nvCxnSpPr>
+        <p:spPr>
+          <a:xfrm>
+            <a:off x="3957299" y="2924944"/>
+            <a:ext cx="504056" cy="0"/>
+          </a:xfrm>
+          <a:prstGeom prst="line">
+            <a:avLst/>
+          </a:prstGeom>
+          <a:ln w="19050"/>
+        </p:spPr>
+        <p:style>
+          <a:lnRef idx="1">
+            <a:schemeClr val="dk1"/>
+          </a:lnRef>
+          <a:fillRef idx="0">
+            <a:schemeClr val="dk1"/>
+          </a:fillRef>
+          <a:effectRef idx="0">
+            <a:schemeClr val="dk1"/>
+          </a:effectRef>
+          <a:fontRef idx="minor">
+            <a:schemeClr val="tx1"/>
+          </a:fontRef>
+        </p:style>
+      </p:cxnSp>
+      <p:cxnSp>
+        <p:nvCxnSpPr>
+          <p:cNvPr id="31" name="Suora yhdysviiva 30"/>
+          <p:cNvCxnSpPr/>
+          <p:nvPr/>
+        </p:nvCxnSpPr>
+        <p:spPr>
+          <a:xfrm>
+            <a:off x="3705271" y="3642187"/>
+            <a:ext cx="252028" cy="0"/>
+          </a:xfrm>
+          <a:prstGeom prst="line">
+            <a:avLst/>
+          </a:prstGeom>
+          <a:ln w="19050"/>
+        </p:spPr>
+        <p:style>
+          <a:lnRef idx="1">
+            <a:schemeClr val="dk1"/>
+          </a:lnRef>
+          <a:fillRef idx="0">
+            <a:schemeClr val="dk1"/>
+          </a:fillRef>
+          <a:effectRef idx="0">
+            <a:schemeClr val="dk1"/>
+          </a:effectRef>
+          <a:fontRef idx="minor">
+            <a:schemeClr val="tx1"/>
+          </a:fontRef>
+        </p:style>
+      </p:cxnSp>
+      <p:sp>
+        <p:nvSpPr>
+          <p:cNvPr id="30" name="Tekstiruutu 29"/>
+          <p:cNvSpPr txBox="1"/>
+          <p:nvPr/>
+        </p:nvSpPr>
+        <p:spPr>
+          <a:xfrm>
+            <a:off x="4464352" y="2020198"/>
+            <a:ext cx="1152129" cy="369332"/>
+          </a:xfrm>
+          <a:prstGeom prst="rect">
+            <a:avLst/>
+          </a:prstGeom>
+          <a:noFill/>
+        </p:spPr>
+        <p:txBody>
+          <a:bodyPr wrap="square" rtlCol="0">
+            <a:spAutoFit/>
+          </a:bodyPr>
+          <a:lstStyle/>
+          <a:p>
+            <a:r>
+              <a:rPr lang="fi-FI" dirty="0" smtClean="0"/>
+              <a:t>”</a:t>
+            </a:r>
+            <a:r>
+              <a:rPr lang="fi-FI" dirty="0" err="1" smtClean="0"/>
+              <a:t>title_fi</a:t>
+            </a:r>
+            <a:r>
+              <a:rPr lang="fi-FI" dirty="0" smtClean="0"/>
+              <a:t>”</a:t>
+            </a:r>
+            <a:endParaRPr lang="fi-FI" dirty="0"/>
+          </a:p>
+        </p:txBody>
+      </p:sp>
+      <p:cxnSp>
+        <p:nvCxnSpPr>
+          <p:cNvPr id="41" name="Suora yhdysviiva 40"/>
+          <p:cNvCxnSpPr/>
+          <p:nvPr/>
+        </p:nvCxnSpPr>
+        <p:spPr>
+          <a:xfrm>
+            <a:off x="3959932" y="2204863"/>
+            <a:ext cx="0" cy="828963"/>
+          </a:xfrm>
+          <a:prstGeom prst="line">
+            <a:avLst/>
+          </a:prstGeom>
+          <a:ln w="19050"/>
+        </p:spPr>
+        <p:style>
+          <a:lnRef idx="1">
+            <a:schemeClr val="dk1"/>
+          </a:lnRef>
+          <a:fillRef idx="0">
+            <a:schemeClr val="dk1"/>
+          </a:fillRef>
+          <a:effectRef idx="0">
+            <a:schemeClr val="dk1"/>
+          </a:effectRef>
+          <a:fontRef idx="minor">
+            <a:schemeClr val="tx1"/>
+          </a:fontRef>
+        </p:style>
+      </p:cxnSp>
+      <p:cxnSp>
+        <p:nvCxnSpPr>
+          <p:cNvPr id="42" name="Suora yhdysviiva 41"/>
+          <p:cNvCxnSpPr/>
+          <p:nvPr/>
+        </p:nvCxnSpPr>
+        <p:spPr>
+          <a:xfrm>
+            <a:off x="3959932" y="2204864"/>
+            <a:ext cx="504056" cy="0"/>
+          </a:xfrm>
+          <a:prstGeom prst="line">
+            <a:avLst/>
+          </a:prstGeom>
+          <a:ln w="19050"/>
+        </p:spPr>
+        <p:style>
+          <a:lnRef idx="1">
+            <a:schemeClr val="dk1"/>
+          </a:lnRef>
+          <a:fillRef idx="0">
+            <a:schemeClr val="dk1"/>
+          </a:fillRef>
+          <a:effectRef idx="0">
+            <a:schemeClr val="dk1"/>
+          </a:effectRef>
+          <a:fontRef idx="minor">
+            <a:schemeClr val="tx1"/>
+          </a:fontRef>
+        </p:style>
+      </p:cxnSp>
+      <p:cxnSp>
+        <p:nvCxnSpPr>
+          <p:cNvPr id="43" name="Suora yhdysviiva 42"/>
+          <p:cNvCxnSpPr/>
+          <p:nvPr/>
+        </p:nvCxnSpPr>
+        <p:spPr>
+          <a:xfrm>
+            <a:off x="3963457" y="4061539"/>
+            <a:ext cx="0" cy="828963"/>
+          </a:xfrm>
+          <a:prstGeom prst="line">
+            <a:avLst/>
+          </a:prstGeom>
+          <a:ln w="19050"/>
+        </p:spPr>
+        <p:style>
+          <a:lnRef idx="1">
+            <a:schemeClr val="dk1"/>
+          </a:lnRef>
+          <a:fillRef idx="0">
+            <a:schemeClr val="dk1"/>
+          </a:fillRef>
+          <a:effectRef idx="0">
+            <a:schemeClr val="dk1"/>
+          </a:effectRef>
+          <a:fontRef idx="minor">
+            <a:schemeClr val="tx1"/>
+          </a:fontRef>
+        </p:style>
+      </p:cxnSp>
+      <p:cxnSp>
+        <p:nvCxnSpPr>
+          <p:cNvPr id="44" name="Suora yhdysviiva 43"/>
+          <p:cNvCxnSpPr/>
+          <p:nvPr/>
+        </p:nvCxnSpPr>
+        <p:spPr>
+          <a:xfrm>
+            <a:off x="3963457" y="4890502"/>
+            <a:ext cx="504056" cy="0"/>
+          </a:xfrm>
+          <a:prstGeom prst="line">
+            <a:avLst/>
+          </a:prstGeom>
+          <a:ln w="19050"/>
+        </p:spPr>
+        <p:style>
+          <a:lnRef idx="1">
+            <a:schemeClr val="dk1"/>
+          </a:lnRef>
+          <a:fillRef idx="0">
+            <a:schemeClr val="dk1"/>
+          </a:fillRef>
+          <a:effectRef idx="0">
+            <a:schemeClr val="dk1"/>
+          </a:effectRef>
+          <a:fontRef idx="minor">
+            <a:schemeClr val="tx1"/>
+          </a:fontRef>
+        </p:style>
+      </p:cxnSp>
+      <p:cxnSp>
+        <p:nvCxnSpPr>
+          <p:cNvPr id="45" name="Suora yhdysviiva 44"/>
+          <p:cNvCxnSpPr/>
+          <p:nvPr/>
+        </p:nvCxnSpPr>
+        <p:spPr>
+          <a:xfrm>
+            <a:off x="3957299" y="4725144"/>
+            <a:ext cx="0" cy="828963"/>
+          </a:xfrm>
+          <a:prstGeom prst="line">
+            <a:avLst/>
+          </a:prstGeom>
+          <a:ln w="19050"/>
+        </p:spPr>
+        <p:style>
+          <a:lnRef idx="1">
+            <a:schemeClr val="dk1"/>
+          </a:lnRef>
+          <a:fillRef idx="0">
+            <a:schemeClr val="dk1"/>
+          </a:fillRef>
+          <a:effectRef idx="0">
+            <a:schemeClr val="dk1"/>
+          </a:effectRef>
+          <a:fontRef idx="minor">
+            <a:schemeClr val="tx1"/>
+          </a:fontRef>
+        </p:style>
+      </p:cxnSp>
+      <p:cxnSp>
+        <p:nvCxnSpPr>
+          <p:cNvPr id="46" name="Suora yhdysviiva 45"/>
+          <p:cNvCxnSpPr/>
+          <p:nvPr/>
+        </p:nvCxnSpPr>
+        <p:spPr>
+          <a:xfrm>
+            <a:off x="3957299" y="5554107"/>
+            <a:ext cx="504056" cy="0"/>
+          </a:xfrm>
+          <a:prstGeom prst="line">
+            <a:avLst/>
+          </a:prstGeom>
+          <a:ln w="19050"/>
+        </p:spPr>
+        <p:style>
+          <a:lnRef idx="1">
+            <a:schemeClr val="dk1"/>
+          </a:lnRef>
+          <a:fillRef idx="0">
+            <a:schemeClr val="dk1"/>
+          </a:fillRef>
+          <a:effectRef idx="0">
+            <a:schemeClr val="dk1"/>
+          </a:effectRef>
+          <a:fontRef idx="minor">
+            <a:schemeClr val="tx1"/>
+          </a:fontRef>
+        </p:style>
+      </p:cxnSp>
+      <p:cxnSp>
+        <p:nvCxnSpPr>
+          <p:cNvPr id="47" name="Suora yhdysviiva 46"/>
+          <p:cNvCxnSpPr/>
+          <p:nvPr/>
+        </p:nvCxnSpPr>
+        <p:spPr>
+          <a:xfrm>
+            <a:off x="3963457" y="5301208"/>
+            <a:ext cx="0" cy="828963"/>
+          </a:xfrm>
+          <a:prstGeom prst="line">
+            <a:avLst/>
+          </a:prstGeom>
+          <a:ln w="19050"/>
+        </p:spPr>
+        <p:style>
+          <a:lnRef idx="1">
+            <a:schemeClr val="dk1"/>
+          </a:lnRef>
+          <a:fillRef idx="0">
+            <a:schemeClr val="dk1"/>
+          </a:fillRef>
+          <a:effectRef idx="0">
+            <a:schemeClr val="dk1"/>
+          </a:effectRef>
+          <a:fontRef idx="minor">
+            <a:schemeClr val="tx1"/>
+          </a:fontRef>
+        </p:style>
+      </p:cxnSp>
+      <p:cxnSp>
+        <p:nvCxnSpPr>
+          <p:cNvPr id="48" name="Suora yhdysviiva 47"/>
+          <p:cNvCxnSpPr/>
+          <p:nvPr/>
+        </p:nvCxnSpPr>
+        <p:spPr>
+          <a:xfrm>
+            <a:off x="3963457" y="6130171"/>
+            <a:ext cx="504056" cy="0"/>
+          </a:xfrm>
+          <a:prstGeom prst="line">
+            <a:avLst/>
+          </a:prstGeom>
+          <a:ln w="19050"/>
+        </p:spPr>
+        <p:style>
+          <a:lnRef idx="1">
+            <a:schemeClr val="dk1"/>
+          </a:lnRef>
+          <a:fillRef idx="0">
+            <a:schemeClr val="dk1"/>
+          </a:fillRef>
+          <a:effectRef idx="0">
+            <a:schemeClr val="dk1"/>
+          </a:effectRef>
+          <a:fontRef idx="minor">
+            <a:schemeClr val="tx1"/>
+          </a:fontRef>
+        </p:style>
+      </p:cxnSp>
+      <p:sp>
+        <p:nvSpPr>
+          <p:cNvPr id="49" name="Tekstiruutu 48"/>
+          <p:cNvSpPr txBox="1"/>
+          <p:nvPr/>
+        </p:nvSpPr>
+        <p:spPr>
+          <a:xfrm>
+            <a:off x="4467513" y="4705836"/>
+            <a:ext cx="1548172" cy="369332"/>
+          </a:xfrm>
+          <a:prstGeom prst="rect">
+            <a:avLst/>
+          </a:prstGeom>
+          <a:noFill/>
+        </p:spPr>
+        <p:txBody>
+          <a:bodyPr wrap="square" rtlCol="0">
+            <a:spAutoFit/>
+          </a:bodyPr>
+          <a:lstStyle/>
+          <a:p>
+            <a:r>
+              <a:rPr lang="fi-FI" dirty="0" smtClean="0"/>
+              <a:t>”</a:t>
+            </a:r>
+            <a:r>
+              <a:rPr lang="fi-FI" dirty="0" err="1" smtClean="0"/>
+              <a:t>desc_fi</a:t>
+            </a:r>
+            <a:r>
+              <a:rPr lang="fi-FI" dirty="0"/>
+              <a:t>”</a:t>
+            </a:r>
+            <a:endParaRPr lang="fi-FI" dirty="0"/>
+          </a:p>
+        </p:txBody>
+      </p:sp>
+      <p:sp>
+        <p:nvSpPr>
+          <p:cNvPr id="50" name="Tekstiruutu 49"/>
+          <p:cNvSpPr txBox="1"/>
+          <p:nvPr/>
+        </p:nvSpPr>
+        <p:spPr>
+          <a:xfrm>
+            <a:off x="4467513" y="5346357"/>
+            <a:ext cx="1548172" cy="369332"/>
+          </a:xfrm>
+          <a:prstGeom prst="rect">
+            <a:avLst/>
+          </a:prstGeom>
+          <a:noFill/>
+        </p:spPr>
+        <p:txBody>
+          <a:bodyPr wrap="square" rtlCol="0">
+            <a:spAutoFit/>
+          </a:bodyPr>
+          <a:lstStyle/>
+          <a:p>
+            <a:r>
+              <a:rPr lang="fi-FI" dirty="0" smtClean="0"/>
+              <a:t>”</a:t>
+            </a:r>
+            <a:r>
+              <a:rPr lang="fi-FI" dirty="0" err="1" smtClean="0"/>
+              <a:t>desc_en</a:t>
+            </a:r>
+            <a:r>
+              <a:rPr lang="fi-FI" dirty="0" smtClean="0"/>
+              <a:t>”</a:t>
+            </a:r>
+            <a:endParaRPr lang="fi-FI" dirty="0"/>
+          </a:p>
+        </p:txBody>
+      </p:sp>
+      <p:sp>
+        <p:nvSpPr>
+          <p:cNvPr id="51" name="Tekstiruutu 50"/>
+          <p:cNvSpPr txBox="1"/>
+          <p:nvPr/>
+        </p:nvSpPr>
+        <p:spPr>
+          <a:xfrm>
+            <a:off x="4495068" y="5945505"/>
+            <a:ext cx="1548172" cy="369332"/>
+          </a:xfrm>
+          <a:prstGeom prst="rect">
+            <a:avLst/>
+          </a:prstGeom>
+          <a:noFill/>
+        </p:spPr>
+        <p:txBody>
+          <a:bodyPr wrap="square" rtlCol="0">
+            <a:spAutoFit/>
+          </a:bodyPr>
+          <a:lstStyle/>
+          <a:p>
+            <a:r>
+              <a:rPr lang="fi-FI" dirty="0" smtClean="0"/>
+              <a:t>”</a:t>
+            </a:r>
+            <a:r>
+              <a:rPr lang="fi-FI" dirty="0" err="1" smtClean="0"/>
+              <a:t>desc_se</a:t>
+            </a:r>
+            <a:r>
+              <a:rPr lang="fi-FI" dirty="0" smtClean="0"/>
+              <a:t>”</a:t>
+            </a:r>
+            <a:endParaRPr lang="fi-FI" dirty="0"/>
+          </a:p>
+        </p:txBody>
+      </p:sp>
+    </p:spTree>
+    <p:extLst>
+      <p:ext uri="{BB962C8B-B14F-4D97-AF65-F5344CB8AC3E}">
+        <p14:creationId xmlns:p14="http://schemas.microsoft.com/office/powerpoint/2010/main" val="1539361002"/>
+      </p:ext>
+    </p:extLst>
+  </p:cSld>
+  <p:clrMapOvr>
+    <a:masterClrMapping/>
+  </p:clrMapOvr>
+</p:sld>
+</file>
+
+<file path=ppt/slides/slide4.xml><?xml version="1.0" encoding="utf-8"?>
+<p:sld xmlns:a="http://schemas.openxmlformats.org/drawingml/2006/main" xmlns:r="http://schemas.openxmlformats.org/officeDocument/2006/relationships" xmlns:p="http://schemas.openxmlformats.org/presentationml/2006/main">
+  <p:cSld>
+    <p:spTree>
+      <p:nvGrpSpPr>
+        <p:cNvPr id="1" name=""/>
+        <p:cNvGrpSpPr/>
+        <p:nvPr/>
+      </p:nvGrpSpPr>
+      <p:grpSpPr>
+        <a:xfrm>
+          <a:off x="0" y="0"/>
+          <a:ext cx="0" cy="0"/>
+          <a:chOff x="0" y="0"/>
+          <a:chExt cx="0" cy="0"/>
+        </a:xfrm>
+      </p:grpSpPr>
       <p:grpSp>
         <p:nvGrpSpPr>
           <p:cNvPr id="19" name="Ryhmä 18"/>
@@ -3180,8 +4944,8 @@
         </p:nvGrpSpPr>
         <p:grpSpPr>
           <a:xfrm>
-            <a:off x="412607" y="1353475"/>
-            <a:ext cx="8391791" cy="5175284"/>
+            <a:off x="304972" y="1369007"/>
+            <a:ext cx="8587508" cy="5175284"/>
             <a:chOff x="4283968" y="2996952"/>
             <a:chExt cx="1552028" cy="1934924"/>
           </a:xfrm>
@@ -3304,8 +5068,8 @@
         </p:nvSpPr>
         <p:spPr>
           <a:xfrm>
-            <a:off x="2131418" y="1420837"/>
-            <a:ext cx="6617046" cy="5040560"/>
+            <a:off x="2087441" y="1517206"/>
+            <a:ext cx="6617046" cy="4432074"/>
           </a:xfrm>
           <a:prstGeom prst="roundRect">
             <a:avLst>
@@ -3383,8 +5147,8 @@
         </p:nvSpPr>
         <p:spPr>
           <a:xfrm>
-            <a:off x="727183" y="1973728"/>
-            <a:ext cx="1186270" cy="646331"/>
+            <a:off x="528693" y="1931951"/>
+            <a:ext cx="1324537" cy="646331"/>
           </a:xfrm>
           <a:prstGeom prst="rect">
             <a:avLst/>
@@ -3412,80 +5176,21 @@
           <a:lstStyle/>
           <a:p>
             <a:r>
+              <a:rPr lang="fi-FI" sz="1100" dirty="0" smtClean="0"/>
+              <a:t>1 </a:t>
+            </a:r>
+            <a:r>
               <a:rPr lang="fi-FI" dirty="0" err="1" smtClean="0"/>
-              <a:t>MenusForDays</a:t>
+              <a:t>MenusFor</a:t>
+            </a:r>
+            <a:endParaRPr lang="fi-FI" dirty="0" smtClean="0"/>
+          </a:p>
+          <a:p>
+            <a:r>
+              <a:rPr lang="fi-FI" dirty="0" err="1" smtClean="0"/>
+              <a:t>Days</a:t>
             </a:r>
             <a:endParaRPr lang="fi-FI" dirty="0"/>
-          </a:p>
-        </p:txBody>
-      </p:sp>
-      <p:sp>
-        <p:nvSpPr>
-          <p:cNvPr id="6" name="Tekstiruutu 5"/>
-          <p:cNvSpPr txBox="1"/>
-          <p:nvPr/>
-        </p:nvSpPr>
-        <p:spPr>
-          <a:xfrm>
-            <a:off x="2339752" y="3571288"/>
-            <a:ext cx="792088" cy="369332"/>
-          </a:xfrm>
-          <a:prstGeom prst="rect">
-            <a:avLst/>
-          </a:prstGeom>
-          <a:solidFill>
-            <a:schemeClr val="bg1">
-              <a:lumMod val="85000"/>
-            </a:schemeClr>
-          </a:solidFill>
-          <a:ln cap="rnd">
-            <a:solidFill>
-              <a:schemeClr val="tx1">
-                <a:lumMod val="50000"/>
-                <a:lumOff val="50000"/>
-              </a:schemeClr>
-            </a:solidFill>
-          </a:ln>
-        </p:spPr>
-        <p:style>
-          <a:lnRef idx="2">
-            <a:schemeClr val="dk1"/>
-          </a:lnRef>
-          <a:fillRef idx="1">
-            <a:schemeClr val="lt1"/>
-          </a:fillRef>
-          <a:effectRef idx="0">
-            <a:schemeClr val="dk1"/>
-          </a:effectRef>
-          <a:fontRef idx="minor">
-            <a:schemeClr val="dk1"/>
-          </a:fontRef>
-        </p:style>
-        <p:txBody>
-          <a:bodyPr wrap="square" rtlCol="0">
-            <a:spAutoFit/>
-          </a:bodyPr>
-          <a:lstStyle/>
-          <a:p>
-            <a:r>
-              <a:rPr lang="fi-FI" dirty="0" err="1" smtClean="0">
-                <a:solidFill>
-                  <a:schemeClr val="tx1">
-                    <a:lumMod val="65000"/>
-                    <a:lumOff val="35000"/>
-                  </a:schemeClr>
-                </a:solidFill>
-              </a:rPr>
-              <a:t>Date</a:t>
-            </a:r>
-            <a:endParaRPr lang="fi-FI" dirty="0">
-              <a:solidFill>
-                <a:schemeClr val="tx1">
-                  <a:lumMod val="65000"/>
-                  <a:lumOff val="35000"/>
-                </a:schemeClr>
-              </a:solidFill>
-            </a:endParaRPr>
           </a:p>
         </p:txBody>
       </p:sp>
@@ -3596,8 +5301,8 @@
         </p:nvGrpSpPr>
         <p:grpSpPr>
           <a:xfrm>
-            <a:off x="4241610" y="1477747"/>
-            <a:ext cx="4434846" cy="4903582"/>
+            <a:off x="4076749" y="1713385"/>
+            <a:ext cx="4434846" cy="2167277"/>
             <a:chOff x="4283968" y="2996952"/>
             <a:chExt cx="1552028" cy="1934924"/>
           </a:xfrm>
@@ -3621,7 +5326,7 @@
             </a:xfrm>
             <a:prstGeom prst="roundRect">
               <a:avLst>
-                <a:gd name="adj" fmla="val 4032"/>
+                <a:gd name="adj" fmla="val 10002"/>
               </a:avLst>
             </a:prstGeom>
             <a:grpFill/>
@@ -3710,36 +5415,6 @@
           </p:txBody>
         </p:sp>
       </p:grpSp>
-      <p:sp>
-        <p:nvSpPr>
-          <p:cNvPr id="23" name="Tekstiruutu 22"/>
-          <p:cNvSpPr txBox="1"/>
-          <p:nvPr/>
-        </p:nvSpPr>
-        <p:spPr>
-          <a:xfrm>
-            <a:off x="1803003" y="260648"/>
-            <a:ext cx="1328837" cy="376827"/>
-          </a:xfrm>
-          <a:prstGeom prst="rect">
-            <a:avLst/>
-          </a:prstGeom>
-          <a:noFill/>
-        </p:spPr>
-        <p:txBody>
-          <a:bodyPr wrap="square" rtlCol="0">
-            <a:spAutoFit/>
-          </a:bodyPr>
-          <a:lstStyle/>
-          <a:p>
-            <a:r>
-              <a:rPr lang="fi-FI" dirty="0" smtClean="0"/>
-              <a:t>[0, … , n]</a:t>
-            </a:r>
-            <a:endParaRPr lang="fi-FI" dirty="0"/>
-          </a:p>
-        </p:txBody>
-      </p:sp>
       <p:grpSp>
         <p:nvGrpSpPr>
           <p:cNvPr id="54" name="Ryhmä 53"/>
@@ -3748,7 +5423,7 @@
         </p:nvGrpSpPr>
         <p:grpSpPr>
           <a:xfrm>
-            <a:off x="6517958" y="1630405"/>
+            <a:off x="4293049" y="2137353"/>
             <a:ext cx="1944216" cy="1521460"/>
             <a:chOff x="6517958" y="1630405"/>
             <a:chExt cx="1944216" cy="1521460"/>
@@ -3878,7 +5553,7 @@
           <p:spPr>
             <a:xfrm>
               <a:off x="6731746" y="2084369"/>
-              <a:ext cx="1440654" cy="369332"/>
+              <a:ext cx="1664440" cy="369332"/>
             </a:xfrm>
             <a:prstGeom prst="rect">
               <a:avLst/>
@@ -3906,8 +5581,20 @@
             <a:lstStyle/>
             <a:p>
               <a:r>
+                <a:rPr lang="fi-FI" sz="1100" dirty="0" smtClean="0">
+                  <a:solidFill>
+                    <a:prstClr val="black"/>
+                  </a:solidFill>
+                </a:rPr>
+                <a:t>3 </a:t>
+              </a:r>
+              <a:r>
                 <a:rPr lang="fi-FI" dirty="0" smtClean="0"/>
-                <a:t>Component*</a:t>
+                <a:t>Component</a:t>
+              </a:r>
+              <a:r>
+                <a:rPr lang="fi-FI" dirty="0" smtClean="0"/>
+                <a:t>*</a:t>
               </a:r>
               <a:endParaRPr lang="fi-FI" dirty="0"/>
             </a:p>
@@ -3953,12 +5640,12 @@
             <a:lstStyle/>
             <a:p>
               <a:r>
-                <a:rPr lang="fi-FI" dirty="0" err="1">
+                <a:rPr lang="fi-FI" sz="1100" dirty="0" smtClean="0">
                   <a:solidFill>
-                    <a:schemeClr val="bg1"/>
+                    <a:prstClr val="white"/>
                   </a:solidFill>
                 </a:rPr>
-                <a:t>n</a:t>
+                <a:t>2 </a:t>
               </a:r>
               <a:r>
                 <a:rPr lang="fi-FI" dirty="0" err="1" smtClean="0">
@@ -3966,7 +5653,7 @@
                     <a:schemeClr val="bg1"/>
                   </a:solidFill>
                 </a:rPr>
-                <a:t>ame_fi</a:t>
+                <a:t>name_fi</a:t>
               </a:r>
               <a:endParaRPr lang="fi-FI" dirty="0">
                 <a:solidFill>
@@ -3985,7 +5672,7 @@
         </p:nvSpPr>
         <p:spPr>
           <a:xfrm>
-            <a:off x="709978" y="2872138"/>
+            <a:off x="496632" y="2719367"/>
             <a:ext cx="1238245" cy="369332"/>
           </a:xfrm>
           <a:prstGeom prst="rect">
@@ -4015,20 +5702,15 @@
         </p:nvSpPr>
         <p:spPr>
           <a:xfrm>
-            <a:off x="2339752" y="1516859"/>
-            <a:ext cx="1546310" cy="307777"/>
+            <a:off x="2358685" y="1631634"/>
+            <a:ext cx="1546310" cy="523220"/>
           </a:xfrm>
           <a:prstGeom prst="rect">
             <a:avLst/>
           </a:prstGeom>
           <a:noFill/>
           <a:ln>
-            <a:solidFill>
-              <a:schemeClr val="accent5">
-                <a:lumMod val="20000"/>
-                <a:lumOff val="80000"/>
-              </a:schemeClr>
-            </a:solidFill>
+            <a:noFill/>
           </a:ln>
         </p:spPr>
         <p:txBody>
@@ -4037,6 +5719,36 @@
           </a:bodyPr>
           <a:lstStyle/>
           <a:p>
+            <a:r>
+              <a:rPr lang="fi-FI" sz="1400" b="1" i="1" dirty="0" smtClean="0">
+                <a:solidFill>
+                  <a:schemeClr val="accent5">
+                    <a:lumMod val="75000"/>
+                  </a:schemeClr>
+                </a:solidFill>
+              </a:rPr>
+              <a:t>(</a:t>
+            </a:r>
+            <a:r>
+              <a:rPr lang="fi-FI" sz="1400" b="1" i="1" dirty="0" err="1" smtClean="0">
+                <a:solidFill>
+                  <a:schemeClr val="accent5">
+                    <a:lumMod val="75000"/>
+                  </a:schemeClr>
+                </a:solidFill>
+              </a:rPr>
+              <a:t>days</a:t>
+            </a:r>
+            <a:r>
+              <a:rPr lang="fi-FI" sz="1400" b="1" i="1" dirty="0" smtClean="0">
+                <a:solidFill>
+                  <a:schemeClr val="accent5">
+                    <a:lumMod val="75000"/>
+                  </a:schemeClr>
+                </a:solidFill>
+              </a:rPr>
+              <a:t> menu) </a:t>
+            </a:r>
             <a:r>
               <a:rPr lang="fi-FI" sz="1400" b="1" i="1" dirty="0" err="1" smtClean="0">
                 <a:solidFill>
@@ -4069,16 +5781,16 @@
       </p:sp>
       <p:grpSp>
         <p:nvGrpSpPr>
-          <p:cNvPr id="46" name="Ryhmä 45"/>
+          <p:cNvPr id="3" name="Ryhmä 2"/>
           <p:cNvGrpSpPr/>
           <p:nvPr/>
         </p:nvGrpSpPr>
         <p:grpSpPr>
           <a:xfrm>
-            <a:off x="4450761" y="3571288"/>
-            <a:ext cx="1334852" cy="1413670"/>
-            <a:chOff x="2428410" y="3904384"/>
-            <a:chExt cx="1334852" cy="1413670"/>
+            <a:off x="4101777" y="4085952"/>
+            <a:ext cx="1334852" cy="1566251"/>
+            <a:chOff x="4241610" y="3878972"/>
+            <a:chExt cx="1334852" cy="1566251"/>
           </a:xfrm>
         </p:grpSpPr>
         <p:grpSp>
@@ -4089,8 +5801,8 @@
           </p:nvGrpSpPr>
           <p:grpSpPr>
             <a:xfrm>
-              <a:off x="2428410" y="3904384"/>
-              <a:ext cx="1334852" cy="1413670"/>
+              <a:off x="4241610" y="3878972"/>
+              <a:ext cx="1334852" cy="1566251"/>
               <a:chOff x="4283968" y="2996952"/>
               <a:chExt cx="1552028" cy="1934924"/>
             </a:xfrm>
@@ -4119,7 +5831,8 @@
               <a:ln>
                 <a:solidFill>
                   <a:schemeClr val="accent5">
-                    <a:lumMod val="75000"/>
+                    <a:lumMod val="60000"/>
+                    <a:lumOff val="40000"/>
                   </a:schemeClr>
                 </a:solidFill>
               </a:ln>
@@ -4165,7 +5878,12 @@
               </a:prstGeom>
               <a:noFill/>
               <a:ln>
-                <a:noFill/>
+                <a:solidFill>
+                  <a:schemeClr val="accent5">
+                    <a:lumMod val="60000"/>
+                    <a:lumOff val="40000"/>
+                  </a:schemeClr>
+                </a:solidFill>
               </a:ln>
             </p:spPr>
             <p:txBody>
@@ -4223,13 +5941,20 @@
           </p:nvSpPr>
           <p:spPr>
             <a:xfrm>
-              <a:off x="2651332" y="4318004"/>
+              <a:off x="4464532" y="4292593"/>
               <a:ext cx="792088" cy="369332"/>
             </a:xfrm>
             <a:prstGeom prst="rect">
               <a:avLst/>
             </a:prstGeom>
-            <a:ln cap="rnd"/>
+            <a:ln cap="rnd">
+              <a:solidFill>
+                <a:schemeClr val="tx1">
+                  <a:lumMod val="95000"/>
+                  <a:lumOff val="5000"/>
+                </a:schemeClr>
+              </a:solidFill>
+            </a:ln>
           </p:spPr>
           <p:style>
             <a:lnRef idx="2">
@@ -4252,6 +5977,14 @@
             <a:lstStyle/>
             <a:p>
               <a:r>
+                <a:rPr lang="fi-FI" sz="1100" dirty="0" smtClean="0">
+                  <a:solidFill>
+                    <a:prstClr val="black"/>
+                  </a:solidFill>
+                </a:rPr>
+                <a:t>2 </a:t>
+              </a:r>
+              <a:r>
                 <a:rPr lang="fi-FI" dirty="0" err="1" smtClean="0"/>
                 <a:t>Price</a:t>
               </a:r>
@@ -4267,7 +6000,7 @@
           </p:nvSpPr>
           <p:spPr>
             <a:xfrm>
-              <a:off x="2634259" y="4830844"/>
+              <a:off x="4447459" y="4805433"/>
               <a:ext cx="809161" cy="369332"/>
             </a:xfrm>
             <a:prstGeom prst="rect">
@@ -4276,7 +6009,14 @@
             <a:solidFill>
               <a:schemeClr val="tx1"/>
             </a:solidFill>
-            <a:ln cap="rnd"/>
+            <a:ln cap="rnd">
+              <a:solidFill>
+                <a:schemeClr val="tx1">
+                  <a:lumMod val="95000"/>
+                  <a:lumOff val="5000"/>
+                </a:schemeClr>
+              </a:solidFill>
+            </a:ln>
           </p:spPr>
           <p:style>
             <a:lnRef idx="2">
@@ -4298,6 +6038,14 @@
             </a:bodyPr>
             <a:lstStyle/>
             <a:p>
+              <a:r>
+                <a:rPr lang="fi-FI" sz="1100" dirty="0">
+                  <a:solidFill>
+                    <a:prstClr val="white"/>
+                  </a:solidFill>
+                </a:rPr>
+                <a:t>2 </a:t>
+              </a:r>
               <a:r>
                 <a:rPr lang="fi-FI" dirty="0" err="1" smtClean="0">
                   <a:solidFill>
@@ -4323,7 +6071,7 @@
         </p:nvGrpSpPr>
         <p:grpSpPr>
           <a:xfrm>
-            <a:off x="6516216" y="3284120"/>
+            <a:off x="6444208" y="2111945"/>
             <a:ext cx="1944216" cy="1584176"/>
             <a:chOff x="6516216" y="3789040"/>
             <a:chExt cx="1944216" cy="1584176"/>
@@ -4472,8 +6220,8 @@
           </p:nvSpPr>
           <p:spPr>
             <a:xfrm>
-              <a:off x="6691556" y="4243004"/>
-              <a:ext cx="1440654" cy="369332"/>
+              <a:off x="6691555" y="4243004"/>
+              <a:ext cx="1600853" cy="369332"/>
             </a:xfrm>
             <a:prstGeom prst="rect">
               <a:avLst/>
@@ -4501,8 +6249,20 @@
             <a:lstStyle/>
             <a:p>
               <a:r>
+                <a:rPr lang="fi-FI" sz="1100" dirty="0" smtClean="0">
+                  <a:solidFill>
+                    <a:prstClr val="black"/>
+                  </a:solidFill>
+                </a:rPr>
+                <a:t>3 </a:t>
+              </a:r>
+              <a:r>
                 <a:rPr lang="fi-FI" dirty="0" smtClean="0"/>
-                <a:t>Component*</a:t>
+                <a:t>Component</a:t>
+              </a:r>
+              <a:r>
+                <a:rPr lang="fi-FI" dirty="0" smtClean="0"/>
+                <a:t>*</a:t>
               </a:r>
               <a:endParaRPr lang="fi-FI" dirty="0"/>
             </a:p>
@@ -4548,6 +6308,14 @@
             <a:lstStyle/>
             <a:p>
               <a:r>
+                <a:rPr lang="fi-FI" sz="1100" dirty="0" smtClean="0">
+                  <a:solidFill>
+                    <a:prstClr val="white"/>
+                  </a:solidFill>
+                </a:rPr>
+                <a:t>2 </a:t>
+              </a:r>
+              <a:r>
                 <a:rPr lang="fi-FI" dirty="0" err="1" smtClean="0">
                   <a:solidFill>
                     <a:schemeClr val="bg1"/>
@@ -4566,84 +6334,14 @@
       </p:grpSp>
       <p:sp>
         <p:nvSpPr>
-          <p:cNvPr id="56" name="Tekstiruutu 55"/>
-          <p:cNvSpPr txBox="1"/>
-          <p:nvPr/>
-        </p:nvSpPr>
-        <p:spPr>
-          <a:xfrm>
-            <a:off x="4450761" y="2872138"/>
-            <a:ext cx="792088" cy="369332"/>
-          </a:xfrm>
-          <a:prstGeom prst="rect">
-            <a:avLst/>
-          </a:prstGeom>
-          <a:solidFill>
-            <a:schemeClr val="bg1">
-              <a:lumMod val="85000"/>
-            </a:schemeClr>
-          </a:solidFill>
-          <a:ln cap="rnd">
-            <a:solidFill>
-              <a:schemeClr val="tx1">
-                <a:lumMod val="50000"/>
-                <a:lumOff val="50000"/>
-              </a:schemeClr>
-            </a:solidFill>
-          </a:ln>
-        </p:spPr>
-        <p:style>
-          <a:lnRef idx="2">
-            <a:schemeClr val="dk1"/>
-          </a:lnRef>
-          <a:fillRef idx="1">
-            <a:schemeClr val="lt1"/>
-          </a:fillRef>
-          <a:effectRef idx="0">
-            <a:schemeClr val="dk1"/>
-          </a:effectRef>
-          <a:fontRef idx="minor">
-            <a:schemeClr val="dk1"/>
-          </a:fontRef>
-        </p:style>
-        <p:txBody>
-          <a:bodyPr wrap="square" rtlCol="0">
-            <a:spAutoFit/>
-          </a:bodyPr>
-          <a:lstStyle/>
-          <a:p>
-            <a:r>
-              <a:rPr lang="fi-FI" dirty="0" err="1" smtClean="0">
-                <a:solidFill>
-                  <a:schemeClr val="tx1">
-                    <a:lumMod val="65000"/>
-                    <a:lumOff val="35000"/>
-                  </a:schemeClr>
-                </a:solidFill>
-              </a:rPr>
-              <a:t>Date</a:t>
-            </a:r>
-            <a:endParaRPr lang="fi-FI" dirty="0">
-              <a:solidFill>
-                <a:schemeClr val="tx1">
-                  <a:lumMod val="65000"/>
-                  <a:lumOff val="35000"/>
-                </a:schemeClr>
-              </a:solidFill>
-            </a:endParaRPr>
-          </a:p>
-        </p:txBody>
-      </p:sp>
-      <p:sp>
-        <p:nvSpPr>
           <p:cNvPr id="7" name="Tekstiruutu 6"/>
           <p:cNvSpPr txBox="1"/>
           <p:nvPr/>
         </p:nvSpPr>
         <p:spPr>
           <a:xfrm>
-            <a:off x="2339752" y="2967199"/>
-            <a:ext cx="1186270" cy="369332"/>
+            <a:off x="2339752" y="3872424"/>
+            <a:ext cx="1343273" cy="369332"/>
           </a:xfrm>
           <a:prstGeom prst="rect">
             <a:avLst/>
@@ -4671,8 +6369,143 @@
           <a:lstStyle/>
           <a:p>
             <a:r>
+              <a:rPr lang="fi-FI" sz="1100" dirty="0" smtClean="0">
+                <a:solidFill>
+                  <a:prstClr val="black"/>
+                </a:solidFill>
+              </a:rPr>
+              <a:t>2 </a:t>
+            </a:r>
+            <a:r>
               <a:rPr lang="fi-FI" dirty="0" err="1" smtClean="0"/>
               <a:t>SetMenus</a:t>
+            </a:r>
+            <a:endParaRPr lang="fi-FI" dirty="0"/>
+          </a:p>
+        </p:txBody>
+      </p:sp>
+      <p:sp>
+        <p:nvSpPr>
+          <p:cNvPr id="39" name="Tekstiruutu 38"/>
+          <p:cNvSpPr txBox="1"/>
+          <p:nvPr/>
+        </p:nvSpPr>
+        <p:spPr>
+          <a:xfrm>
+            <a:off x="2339751" y="4433449"/>
+            <a:ext cx="1336828" cy="369332"/>
+          </a:xfrm>
+          <a:prstGeom prst="rect">
+            <a:avLst/>
+          </a:prstGeom>
+          <a:solidFill>
+            <a:schemeClr val="tx1"/>
+          </a:solidFill>
+          <a:ln cap="rnd"/>
+        </p:spPr>
+        <p:style>
+          <a:lnRef idx="2">
+            <a:schemeClr val="dk1"/>
+          </a:lnRef>
+          <a:fillRef idx="1">
+            <a:schemeClr val="lt1"/>
+          </a:fillRef>
+          <a:effectRef idx="0">
+            <a:schemeClr val="dk1"/>
+          </a:effectRef>
+          <a:fontRef idx="minor">
+            <a:schemeClr val="dk1"/>
+          </a:fontRef>
+        </p:style>
+        <p:txBody>
+          <a:bodyPr wrap="square" rtlCol="0">
+            <a:spAutoFit/>
+          </a:bodyPr>
+          <a:lstStyle/>
+          <a:p>
+            <a:r>
+              <a:rPr lang="fi-FI" sz="1100" dirty="0" smtClean="0">
+                <a:solidFill>
+                  <a:schemeClr val="bg1"/>
+                </a:solidFill>
+              </a:rPr>
+              <a:t>1 </a:t>
+            </a:r>
+            <a:r>
+              <a:rPr lang="fi-FI" dirty="0" err="1" smtClean="0">
+                <a:solidFill>
+                  <a:schemeClr val="bg1"/>
+                </a:solidFill>
+              </a:rPr>
+              <a:t>courses</a:t>
+            </a:r>
+            <a:endParaRPr lang="fi-FI" dirty="0">
+              <a:solidFill>
+                <a:schemeClr val="bg1"/>
+              </a:solidFill>
+            </a:endParaRPr>
+          </a:p>
+        </p:txBody>
+      </p:sp>
+      <p:sp>
+        <p:nvSpPr>
+          <p:cNvPr id="40" name="Tekstiruutu 39"/>
+          <p:cNvSpPr txBox="1"/>
+          <p:nvPr/>
+        </p:nvSpPr>
+        <p:spPr>
+          <a:xfrm>
+            <a:off x="5205963" y="1713385"/>
+            <a:ext cx="1238245" cy="369332"/>
+          </a:xfrm>
+          <a:prstGeom prst="rect">
+            <a:avLst/>
+          </a:prstGeom>
+          <a:noFill/>
+        </p:spPr>
+        <p:txBody>
+          <a:bodyPr wrap="square" rtlCol="0">
+            <a:spAutoFit/>
+          </a:bodyPr>
+          <a:lstStyle/>
+          <a:p>
+            <a:r>
+              <a:rPr lang="fi-FI" dirty="0" smtClean="0"/>
+              <a:t>[0, … , </a:t>
+            </a:r>
+            <a:r>
+              <a:rPr lang="fi-FI" dirty="0" smtClean="0"/>
+              <a:t>n]</a:t>
+            </a:r>
+            <a:endParaRPr lang="fi-FI" dirty="0"/>
+          </a:p>
+        </p:txBody>
+      </p:sp>
+      <p:sp>
+        <p:nvSpPr>
+          <p:cNvPr id="42" name="Tekstiruutu 41"/>
+          <p:cNvSpPr txBox="1"/>
+          <p:nvPr/>
+        </p:nvSpPr>
+        <p:spPr>
+          <a:xfrm>
+            <a:off x="6576244" y="645899"/>
+            <a:ext cx="1238245" cy="646331"/>
+          </a:xfrm>
+          <a:prstGeom prst="rect">
+            <a:avLst/>
+          </a:prstGeom>
+          <a:noFill/>
+        </p:spPr>
+        <p:txBody>
+          <a:bodyPr wrap="square" rtlCol="0">
+            <a:spAutoFit/>
+          </a:bodyPr>
+          <a:lstStyle/>
+          <a:p>
+            <a:r>
+              <a:rPr lang="fi-FI" dirty="0" smtClean="0"/>
+              <a:t>*muokattu kentästä</a:t>
             </a:r>
             <a:endParaRPr lang="fi-FI" dirty="0"/>
           </a:p>
